--- a/Insurance charges analysis.pptx
+++ b/Insurance charges analysis.pptx
@@ -14,9 +14,10 @@
     <p:sldId id="262" r:id="rId8"/>
     <p:sldId id="263" r:id="rId9"/>
     <p:sldId id="264" r:id="rId10"/>
-    <p:sldId id="267" r:id="rId11"/>
-    <p:sldId id="268" r:id="rId12"/>
-    <p:sldId id="265" r:id="rId13"/>
+    <p:sldId id="269" r:id="rId11"/>
+    <p:sldId id="270" r:id="rId12"/>
+    <p:sldId id="268" r:id="rId13"/>
+    <p:sldId id="265" r:id="rId14"/>
   </p:sldIdLst>
   <p:sldSz cx="12192000" cy="6858000"/>
   <p:notesSz cx="6858000" cy="9144000"/>
@@ -115,6 +116,11 @@
       </a:defRPr>
     </a:lvl9pPr>
   </p:defaultTextStyle>
+  <p:extLst>
+    <p:ext uri="{EFAFB233-063F-42B5-8137-9DF3F51BA10A}">
+      <p15:sldGuideLst xmlns:p15="http://schemas.microsoft.com/office/powerpoint/2012/main"/>
+    </p:ext>
+  </p:extLst>
 </p:presentation>
 </file>
 
@@ -840,7 +846,7 @@
           <a:p>
             <a:fld id="{C9584127-2B2C-4FEC-9C3B-A4240B2103CF}" type="datetimeFigureOut">
               <a:rPr lang="en-GB" smtClean="0"/>
-              <a:t>26/09/2025</a:t>
+              <a:t>30/10/2025</a:t>
             </a:fld>
             <a:endParaRPr lang="en-GB"/>
           </a:p>
@@ -1091,7 +1097,7 @@
           <a:p>
             <a:fld id="{C9584127-2B2C-4FEC-9C3B-A4240B2103CF}" type="datetimeFigureOut">
               <a:rPr lang="en-GB" smtClean="0"/>
-              <a:t>26/09/2025</a:t>
+              <a:t>30/10/2025</a:t>
             </a:fld>
             <a:endParaRPr lang="en-GB"/>
           </a:p>
@@ -1405,7 +1411,7 @@
           <a:p>
             <a:fld id="{C9584127-2B2C-4FEC-9C3B-A4240B2103CF}" type="datetimeFigureOut">
               <a:rPr lang="en-GB" smtClean="0"/>
-              <a:t>26/09/2025</a:t>
+              <a:t>30/10/2025</a:t>
             </a:fld>
             <a:endParaRPr lang="en-GB"/>
           </a:p>
@@ -1746,7 +1752,7 @@
           <a:p>
             <a:fld id="{C9584127-2B2C-4FEC-9C3B-A4240B2103CF}" type="datetimeFigureOut">
               <a:rPr lang="en-GB" smtClean="0"/>
-              <a:t>26/09/2025</a:t>
+              <a:t>30/10/2025</a:t>
             </a:fld>
             <a:endParaRPr lang="en-GB"/>
           </a:p>
@@ -2060,7 +2066,7 @@
           <a:p>
             <a:fld id="{C9584127-2B2C-4FEC-9C3B-A4240B2103CF}" type="datetimeFigureOut">
               <a:rPr lang="en-GB" smtClean="0"/>
-              <a:t>26/09/2025</a:t>
+              <a:t>30/10/2025</a:t>
             </a:fld>
             <a:endParaRPr lang="en-GB"/>
           </a:p>
@@ -2453,7 +2459,7 @@
           <a:p>
             <a:fld id="{C9584127-2B2C-4FEC-9C3B-A4240B2103CF}" type="datetimeFigureOut">
               <a:rPr lang="en-GB" smtClean="0"/>
-              <a:t>26/09/2025</a:t>
+              <a:t>30/10/2025</a:t>
             </a:fld>
             <a:endParaRPr lang="en-GB"/>
           </a:p>
@@ -2623,7 +2629,7 @@
           <a:p>
             <a:fld id="{C9584127-2B2C-4FEC-9C3B-A4240B2103CF}" type="datetimeFigureOut">
               <a:rPr lang="en-GB" smtClean="0"/>
-              <a:t>26/09/2025</a:t>
+              <a:t>30/10/2025</a:t>
             </a:fld>
             <a:endParaRPr lang="en-GB"/>
           </a:p>
@@ -2803,7 +2809,7 @@
           <a:p>
             <a:fld id="{C9584127-2B2C-4FEC-9C3B-A4240B2103CF}" type="datetimeFigureOut">
               <a:rPr lang="en-GB" smtClean="0"/>
-              <a:t>26/09/2025</a:t>
+              <a:t>30/10/2025</a:t>
             </a:fld>
             <a:endParaRPr lang="en-GB"/>
           </a:p>
@@ -2979,7 +2985,7 @@
           <a:p>
             <a:fld id="{C9584127-2B2C-4FEC-9C3B-A4240B2103CF}" type="datetimeFigureOut">
               <a:rPr lang="en-GB" smtClean="0"/>
-              <a:t>26/09/2025</a:t>
+              <a:t>30/10/2025</a:t>
             </a:fld>
             <a:endParaRPr lang="en-GB"/>
           </a:p>
@@ -3226,7 +3232,7 @@
           <a:p>
             <a:fld id="{C9584127-2B2C-4FEC-9C3B-A4240B2103CF}" type="datetimeFigureOut">
               <a:rPr lang="en-GB" smtClean="0"/>
-              <a:t>26/09/2025</a:t>
+              <a:t>30/10/2025</a:t>
             </a:fld>
             <a:endParaRPr lang="en-GB"/>
           </a:p>
@@ -3458,7 +3464,7 @@
           <a:p>
             <a:fld id="{C9584127-2B2C-4FEC-9C3B-A4240B2103CF}" type="datetimeFigureOut">
               <a:rPr lang="en-GB" smtClean="0"/>
-              <a:t>26/09/2025</a:t>
+              <a:t>30/10/2025</a:t>
             </a:fld>
             <a:endParaRPr lang="en-GB"/>
           </a:p>
@@ -3832,7 +3838,7 @@
           <a:p>
             <a:fld id="{C9584127-2B2C-4FEC-9C3B-A4240B2103CF}" type="datetimeFigureOut">
               <a:rPr lang="en-GB" smtClean="0"/>
-              <a:t>26/09/2025</a:t>
+              <a:t>30/10/2025</a:t>
             </a:fld>
             <a:endParaRPr lang="en-GB"/>
           </a:p>
@@ -3955,7 +3961,7 @@
           <a:p>
             <a:fld id="{C9584127-2B2C-4FEC-9C3B-A4240B2103CF}" type="datetimeFigureOut">
               <a:rPr lang="en-GB" smtClean="0"/>
-              <a:t>26/09/2025</a:t>
+              <a:t>30/10/2025</a:t>
             </a:fld>
             <a:endParaRPr lang="en-GB"/>
           </a:p>
@@ -4050,7 +4056,7 @@
           <a:p>
             <a:fld id="{C9584127-2B2C-4FEC-9C3B-A4240B2103CF}" type="datetimeFigureOut">
               <a:rPr lang="en-GB" smtClean="0"/>
-              <a:t>26/09/2025</a:t>
+              <a:t>30/10/2025</a:t>
             </a:fld>
             <a:endParaRPr lang="en-GB"/>
           </a:p>
@@ -4305,7 +4311,7 @@
           <a:p>
             <a:fld id="{C9584127-2B2C-4FEC-9C3B-A4240B2103CF}" type="datetimeFigureOut">
               <a:rPr lang="en-GB" smtClean="0"/>
-              <a:t>26/09/2025</a:t>
+              <a:t>30/10/2025</a:t>
             </a:fld>
             <a:endParaRPr lang="en-GB"/>
           </a:p>
@@ -4568,7 +4574,7 @@
           <a:p>
             <a:fld id="{C9584127-2B2C-4FEC-9C3B-A4240B2103CF}" type="datetimeFigureOut">
               <a:rPr lang="en-GB" smtClean="0"/>
-              <a:t>26/09/2025</a:t>
+              <a:t>30/10/2025</a:t>
             </a:fld>
             <a:endParaRPr lang="en-GB"/>
           </a:p>
@@ -5311,7 +5317,7 @@
           <a:p>
             <a:fld id="{C9584127-2B2C-4FEC-9C3B-A4240B2103CF}" type="datetimeFigureOut">
               <a:rPr lang="en-GB" smtClean="0"/>
-              <a:t>26/09/2025</a:t>
+              <a:t>30/10/2025</a:t>
             </a:fld>
             <a:endParaRPr lang="en-GB"/>
           </a:p>
@@ -5941,10 +5947,10 @@
       </p:grpSpPr>
       <p:sp>
         <p:nvSpPr>
-          <p:cNvPr id="2" name="Title 1">
+          <p:cNvPr id="4" name="Title 1">
             <a:extLst>
               <a:ext uri="{FF2B5EF4-FFF2-40B4-BE49-F238E27FC236}">
-                <a16:creationId xmlns:a16="http://schemas.microsoft.com/office/drawing/2014/main" id="{B457F938-F3F3-2CE9-DF25-E57AD70D9084}"/>
+                <a16:creationId xmlns:a16="http://schemas.microsoft.com/office/drawing/2014/main" id="{78CC9F2B-31C1-9597-6846-08FF12A3852B}"/>
               </a:ext>
             </a:extLst>
           </p:cNvPr>
@@ -5967,17 +5973,17 @@
           <a:p>
             <a:r>
               <a:rPr lang="en-GB" dirty="0"/>
-              <a:t>Designing ML model to predict insurance cost</a:t>
-            </a:r>
-          </a:p>
-        </p:txBody>
-      </p:sp>
-      <p:sp>
-        <p:nvSpPr>
-          <p:cNvPr id="3" name="Content Placeholder 2">
+              <a:t>Data processing for machine learning</a:t>
+            </a:r>
+          </a:p>
+        </p:txBody>
+      </p:sp>
+      <p:sp>
+        <p:nvSpPr>
+          <p:cNvPr id="5" name="Content Placeholder 2">
             <a:extLst>
               <a:ext uri="{FF2B5EF4-FFF2-40B4-BE49-F238E27FC236}">
-                <a16:creationId xmlns:a16="http://schemas.microsoft.com/office/drawing/2014/main" id="{1019FADA-791E-ED24-0DBF-72D808C60F02}"/>
+                <a16:creationId xmlns:a16="http://schemas.microsoft.com/office/drawing/2014/main" id="{59A5DA4E-8691-F93A-7C63-AE6AAA61C80F}"/>
               </a:ext>
             </a:extLst>
           </p:cNvPr>
@@ -5990,57 +5996,72 @@
         </p:nvSpPr>
         <p:spPr>
           <a:xfrm>
-            <a:off x="677334" y="1365814"/>
-            <a:ext cx="8596668" cy="4986756"/>
+            <a:off x="677333" y="1365814"/>
+            <a:ext cx="9058316" cy="5324353"/>
           </a:xfrm>
         </p:spPr>
         <p:txBody>
           <a:bodyPr>
-            <a:normAutofit fontScale="92500" lnSpcReduction="20000"/>
+            <a:normAutofit fontScale="92500" lnSpcReduction="10000"/>
           </a:bodyPr>
           <a:lstStyle/>
           <a:p>
-            <a:r>
-              <a:rPr lang="en-GB" dirty="0"/>
-              <a:t>Data processing:</a:t>
-            </a:r>
-          </a:p>
-          <a:p>
-            <a:pPr marL="800100" lvl="1" indent="-342900">
+            <a:pPr marL="400050">
               <a:buFont typeface="+mj-lt"/>
               <a:buAutoNum type="arabicPeriod"/>
             </a:pPr>
             <a:r>
               <a:rPr lang="en-GB" dirty="0"/>
-              <a:t>I removed region from the analysis as 4 quadrants don’t lend themselves to being converted into numbers and it had no effect on charges anyway. I included all the other variables to maximise the amount of data we had to train the model with.</a:t>
-            </a:r>
-          </a:p>
-          <a:p>
-            <a:pPr marL="800100" lvl="1" indent="-342900">
+              <a:t>I removed:</a:t>
+            </a:r>
+          </a:p>
+          <a:p>
+            <a:pPr marL="800100" lvl="1" indent="-342900"/>
+            <a:r>
+              <a:rPr lang="en-GB" dirty="0"/>
+              <a:t>Region as 4 quadrants don’t lend themselves to being converted into numbers and it had no effect on charges.</a:t>
+            </a:r>
+          </a:p>
+          <a:p>
+            <a:pPr marL="800100" lvl="1" indent="-342900"/>
+            <a:r>
+              <a:rPr lang="en-GB" dirty="0"/>
+              <a:t>Sex as using sex/gender to calculate health insurance prices is illegal in the UK under equality laws.</a:t>
+            </a:r>
+          </a:p>
+          <a:p>
+            <a:pPr marL="800100" lvl="1" indent="-342900"/>
+            <a:r>
+              <a:rPr lang="en-GB" dirty="0"/>
+              <a:t>Calculated category columns (eg. age group and health category) as they are already described in more detail using the associated numerical columns.</a:t>
+            </a:r>
+          </a:p>
+          <a:p>
+            <a:pPr marL="400050">
               <a:buFont typeface="+mj-lt"/>
               <a:buAutoNum type="arabicPeriod"/>
             </a:pPr>
             <a:r>
               <a:rPr lang="en-GB" dirty="0"/>
-              <a:t>I converted sex and smoker status into numbers as follows:</a:t>
-            </a:r>
-          </a:p>
-          <a:p>
-            <a:pPr marL="1200150" lvl="2" indent="-342900"/>
-            <a:r>
-              <a:rPr lang="en-GB" dirty="0"/>
-              <a:t>Male/smoker =&gt; 1</a:t>
-            </a:r>
-          </a:p>
-          <a:p>
-            <a:pPr marL="1200150" lvl="2" indent="-342900"/>
-            <a:r>
-              <a:rPr lang="en-GB" dirty="0"/>
-              <a:t>Female/non-smoker =&gt; 0</a:t>
-            </a:r>
-          </a:p>
-          <a:p>
-            <a:pPr marL="800100" lvl="1" indent="-342900">
+              <a:t>I converted smoker status into a number as follows:</a:t>
+            </a:r>
+          </a:p>
+          <a:p>
+            <a:pPr marL="800100" lvl="1" indent="-342900"/>
+            <a:r>
+              <a:rPr lang="en-GB" dirty="0"/>
+              <a:t>Smoker =&gt; 1</a:t>
+            </a:r>
+          </a:p>
+          <a:p>
+            <a:pPr marL="800100" lvl="1" indent="-342900"/>
+            <a:r>
+              <a:rPr lang="en-GB" dirty="0"/>
+              <a:t>Non-smoker =&gt; 0</a:t>
+            </a:r>
+          </a:p>
+          <a:p>
+            <a:pPr marL="400050">
               <a:buFont typeface="+mj-lt"/>
               <a:buAutoNum type="arabicPeriod"/>
             </a:pPr>
@@ -6050,17 +6071,24 @@
             </a:r>
           </a:p>
           <a:p>
-            <a:pPr marL="800100" lvl="1" indent="-342900">
+            <a:pPr marL="400050">
               <a:buFont typeface="+mj-lt"/>
               <a:buAutoNum type="arabicPeriod"/>
             </a:pPr>
             <a:r>
               <a:rPr lang="en-GB" dirty="0"/>
-              <a:t>I decided to use a random forest regressor to predict insurance prices as its ensemble nature lends it to robust models.</a:t>
-            </a:r>
-          </a:p>
-          <a:p>
-            <a:pPr marL="800100" lvl="1" indent="-342900">
+              <a:t>I decided to use a linear regression to predict insurance prices as it’s a highly explainable and transparent model type.</a:t>
+            </a:r>
+          </a:p>
+          <a:p>
+            <a:pPr marL="800100" lvl="1" indent="-342900"/>
+            <a:r>
+              <a:rPr lang="en-GB" dirty="0"/>
+              <a:t>This is important as it’s possible regulators may want to know how the model works.</a:t>
+            </a:r>
+          </a:p>
+          <a:p>
+            <a:pPr marL="400050">
               <a:buFont typeface="+mj-lt"/>
               <a:buAutoNum type="arabicPeriod"/>
             </a:pPr>
@@ -6070,7 +6098,7 @@
             </a:r>
             <a:r>
               <a:rPr lang="en-GB" dirty="0" err="1"/>
-              <a:t>sklearn.model_selection.GridSearchCV</a:t>
+              <a:t>GridSearchCV</a:t>
             </a:r>
             <a:r>
               <a:rPr lang="en-GB" dirty="0"/>
@@ -6078,7 +6106,7 @@
             </a:r>
           </a:p>
           <a:p>
-            <a:pPr marL="800100" lvl="1" indent="-342900">
+            <a:pPr marL="400050">
               <a:buFont typeface="+mj-lt"/>
               <a:buAutoNum type="arabicPeriod"/>
             </a:pPr>
@@ -6087,17 +6115,161 @@
               <a:t>Once the models were trained and the best was assessed, I ran the model on the test set to generate a final unbiased score for the dataset.</a:t>
             </a:r>
           </a:p>
-          <a:p>
-            <a:pPr indent="-285750"/>
-            <a:r>
-              <a:rPr lang="en-GB" dirty="0"/>
-              <a:t>The model had a root mean squared distribution of 4731.01.</a:t>
+        </p:txBody>
+      </p:sp>
+    </p:spTree>
+    <p:extLst>
+      <p:ext uri="{BB962C8B-B14F-4D97-AF65-F5344CB8AC3E}">
+        <p14:creationId xmlns:p14="http://schemas.microsoft.com/office/powerpoint/2010/main" val="4188275120"/>
+      </p:ext>
+    </p:extLst>
+  </p:cSld>
+  <p:clrMapOvr>
+    <a:masterClrMapping/>
+  </p:clrMapOvr>
+</p:sld>
+</file>
+
+<file path=ppt/slides/slide11.xml><?xml version="1.0" encoding="utf-8"?>
+<p:sld xmlns:a="http://schemas.openxmlformats.org/drawingml/2006/main" xmlns:r="http://schemas.openxmlformats.org/officeDocument/2006/relationships" xmlns:p="http://schemas.openxmlformats.org/presentationml/2006/main">
+  <p:cSld>
+    <p:spTree>
+      <p:nvGrpSpPr>
+        <p:cNvPr id="1" name=""/>
+        <p:cNvGrpSpPr/>
+        <p:nvPr/>
+      </p:nvGrpSpPr>
+      <p:grpSpPr>
+        <a:xfrm>
+          <a:off x="0" y="0"/>
+          <a:ext cx="0" cy="0"/>
+          <a:chOff x="0" y="0"/>
+          <a:chExt cx="0" cy="0"/>
+        </a:xfrm>
+      </p:grpSpPr>
+      <p:sp>
+        <p:nvSpPr>
+          <p:cNvPr id="4" name="Title 1">
+            <a:extLst>
+              <a:ext uri="{FF2B5EF4-FFF2-40B4-BE49-F238E27FC236}">
+                <a16:creationId xmlns:a16="http://schemas.microsoft.com/office/drawing/2014/main" id="{2BEFEA56-2764-7BE9-079C-B4FA5B73924A}"/>
+              </a:ext>
+            </a:extLst>
+          </p:cNvPr>
+          <p:cNvSpPr>
+            <a:spLocks noGrp="1"/>
+          </p:cNvSpPr>
+          <p:nvPr>
+            <p:ph type="title"/>
+          </p:nvPr>
+        </p:nvSpPr>
+        <p:spPr>
+          <a:xfrm>
+            <a:off x="215687" y="598025"/>
+            <a:ext cx="9519962" cy="767788"/>
+          </a:xfrm>
+        </p:spPr>
+        <p:txBody>
+          <a:bodyPr/>
+          <a:lstStyle/>
+          <a:p>
+            <a:r>
+              <a:rPr lang="en-GB" dirty="0"/>
+              <a:t>Running the model</a:t>
+            </a:r>
+          </a:p>
+        </p:txBody>
+      </p:sp>
+      <p:sp>
+        <p:nvSpPr>
+          <p:cNvPr id="5" name="Content Placeholder 2">
+            <a:extLst>
+              <a:ext uri="{FF2B5EF4-FFF2-40B4-BE49-F238E27FC236}">
+                <a16:creationId xmlns:a16="http://schemas.microsoft.com/office/drawing/2014/main" id="{C0C2E067-220C-342B-9812-FBFE99163B9C}"/>
+              </a:ext>
+            </a:extLst>
+          </p:cNvPr>
+          <p:cNvSpPr>
+            <a:spLocks noGrp="1"/>
+          </p:cNvSpPr>
+          <p:nvPr>
+            <p:ph idx="1"/>
+          </p:nvPr>
+        </p:nvSpPr>
+        <p:spPr>
+          <a:xfrm>
+            <a:off x="677333" y="1770928"/>
+            <a:ext cx="9058316" cy="4226247"/>
+          </a:xfrm>
+        </p:spPr>
+        <p:txBody>
+          <a:bodyPr>
+            <a:normAutofit/>
+          </a:bodyPr>
+          <a:lstStyle/>
+          <a:p>
+            <a:r>
+              <a:rPr lang="en-GB" dirty="0"/>
+              <a:t>I used </a:t>
+            </a:r>
+            <a:r>
+              <a:rPr lang="en-GB" dirty="0" err="1"/>
+              <a:t>CVGrid</a:t>
+            </a:r>
+            <a:r>
+              <a:rPr lang="en-GB" dirty="0"/>
+              <a:t> search to optimise 3 hyper-parameters: </a:t>
+            </a:r>
+            <a:r>
+              <a:rPr lang="en-GB" dirty="0" err="1"/>
+              <a:t>fit_intercept</a:t>
+            </a:r>
+            <a:r>
+              <a:rPr lang="en-GB" dirty="0"/>
+              <a:t>, positive, </a:t>
+            </a:r>
+            <a:r>
+              <a:rPr lang="en-GB" dirty="0" err="1"/>
+              <a:t>tol</a:t>
+            </a:r>
+            <a:r>
+              <a:rPr lang="en-GB" dirty="0"/>
+              <a:t>.</a:t>
             </a:r>
           </a:p>
           <a:p>
             <a:pPr lvl="1"/>
             <a:r>
               <a:rPr lang="en-GB" dirty="0"/>
+              <a:t>See best values below:</a:t>
+            </a:r>
+            <a:br>
+              <a:rPr lang="en-GB" dirty="0"/>
+            </a:br>
+            <a:br>
+              <a:rPr lang="en-GB" dirty="0"/>
+            </a:br>
+            <a:br>
+              <a:rPr lang="en-GB" dirty="0"/>
+            </a:br>
+            <a:br>
+              <a:rPr lang="en-GB" dirty="0"/>
+            </a:br>
+            <a:br>
+              <a:rPr lang="en-GB" dirty="0"/>
+            </a:br>
+            <a:endParaRPr lang="en-GB" dirty="0"/>
+          </a:p>
+          <a:p>
+            <a:r>
+              <a:rPr lang="en-GB" dirty="0"/>
+              <a:t>The model had a root mean squared distribution of 6250.</a:t>
+            </a:r>
+          </a:p>
+          <a:p>
+            <a:pPr lvl="1"/>
+            <a:r>
+              <a:rPr lang="en-GB" dirty="0"/>
               <a:t>This is significantly below the standard deviation for the charges data (12,110), which is positive.</a:t>
             </a:r>
           </a:p>
@@ -6105,17 +6277,24 @@
             <a:pPr lvl="1"/>
             <a:r>
               <a:rPr lang="en-GB" dirty="0"/>
-              <a:t>The hyper parameters for this model can be seen below:</a:t>
+              <a:t>But is still very large, suggesting the model could be significantly more accurate.</a:t>
+            </a:r>
+          </a:p>
+          <a:p>
+            <a:pPr lvl="1"/>
+            <a:r>
+              <a:rPr lang="en-GB" dirty="0"/>
+              <a:t>The equation for this model can be seen below:</a:t>
             </a:r>
           </a:p>
         </p:txBody>
       </p:sp>
       <p:pic>
         <p:nvPicPr>
-          <p:cNvPr id="5" name="Picture 4">
+          <p:cNvPr id="6" name="Picture 5">
             <a:extLst>
               <a:ext uri="{FF2B5EF4-FFF2-40B4-BE49-F238E27FC236}">
-                <a16:creationId xmlns:a16="http://schemas.microsoft.com/office/drawing/2014/main" id="{3C238518-212B-2D53-DA89-DD2937524143}"/>
+                <a16:creationId xmlns:a16="http://schemas.microsoft.com/office/drawing/2014/main" id="{30455A55-FD1C-DD75-71FF-53CE003C3835}"/>
               </a:ext>
             </a:extLst>
           </p:cNvPr>
@@ -6132,8 +6311,68 @@
         </p:blipFill>
         <p:spPr>
           <a:xfrm>
-            <a:off x="677334" y="6352569"/>
-            <a:ext cx="8712648" cy="252715"/>
+            <a:off x="677333" y="5484468"/>
+            <a:ext cx="10701226" cy="262800"/>
+          </a:xfrm>
+          <a:prstGeom prst="rect">
+            <a:avLst/>
+          </a:prstGeom>
+        </p:spPr>
+      </p:pic>
+      <p:pic>
+        <p:nvPicPr>
+          <p:cNvPr id="8" name="Picture 7">
+            <a:extLst>
+              <a:ext uri="{FF2B5EF4-FFF2-40B4-BE49-F238E27FC236}">
+                <a16:creationId xmlns:a16="http://schemas.microsoft.com/office/drawing/2014/main" id="{06CFC24A-FD75-6704-ABA2-8B8760D12BD8}"/>
+              </a:ext>
+            </a:extLst>
+          </p:cNvPr>
+          <p:cNvPicPr>
+            <a:picLocks noChangeAspect="1"/>
+          </p:cNvPicPr>
+          <p:nvPr/>
+        </p:nvPicPr>
+        <p:blipFill>
+          <a:blip r:embed="rId3"/>
+          <a:stretch>
+            <a:fillRect/>
+          </a:stretch>
+        </p:blipFill>
+        <p:spPr>
+          <a:xfrm>
+            <a:off x="677333" y="2543571"/>
+            <a:ext cx="4302127" cy="789938"/>
+          </a:xfrm>
+          <a:prstGeom prst="rect">
+            <a:avLst/>
+          </a:prstGeom>
+        </p:spPr>
+      </p:pic>
+      <p:pic>
+        <p:nvPicPr>
+          <p:cNvPr id="10" name="Picture 9">
+            <a:extLst>
+              <a:ext uri="{FF2B5EF4-FFF2-40B4-BE49-F238E27FC236}">
+                <a16:creationId xmlns:a16="http://schemas.microsoft.com/office/drawing/2014/main" id="{97C82765-9C2A-E6AD-3444-AFC1DC0065F2}"/>
+              </a:ext>
+            </a:extLst>
+          </p:cNvPr>
+          <p:cNvPicPr>
+            <a:picLocks noChangeAspect="1"/>
+          </p:cNvPicPr>
+          <p:nvPr/>
+        </p:nvPicPr>
+        <p:blipFill>
+          <a:blip r:embed="rId4"/>
+          <a:stretch>
+            <a:fillRect/>
+          </a:stretch>
+        </p:blipFill>
+        <p:spPr>
+          <a:xfrm>
+            <a:off x="677333" y="3328214"/>
+            <a:ext cx="7713163" cy="262800"/>
           </a:xfrm>
           <a:prstGeom prst="rect">
             <a:avLst/>
@@ -6143,7 +6382,7 @@
     </p:spTree>
     <p:extLst>
       <p:ext uri="{BB962C8B-B14F-4D97-AF65-F5344CB8AC3E}">
-        <p14:creationId xmlns:p14="http://schemas.microsoft.com/office/powerpoint/2010/main" val="4079268569"/>
+        <p14:creationId xmlns:p14="http://schemas.microsoft.com/office/powerpoint/2010/main" val="1945032219"/>
       </p:ext>
     </p:extLst>
   </p:cSld>
@@ -6153,7 +6392,7 @@
 </p:sld>
 </file>
 
-<file path=ppt/slides/slide11.xml><?xml version="1.0" encoding="utf-8"?>
+<file path=ppt/slides/slide12.xml><?xml version="1.0" encoding="utf-8"?>
 <p:sld xmlns:a="http://schemas.openxmlformats.org/drawingml/2006/main" xmlns:r="http://schemas.openxmlformats.org/officeDocument/2006/relationships" xmlns:p="http://schemas.openxmlformats.org/presentationml/2006/main">
   <p:cSld>
     <p:spTree>
@@ -6372,7 +6611,7 @@
 </p:sld>
 </file>
 
-<file path=ppt/slides/slide12.xml><?xml version="1.0" encoding="utf-8"?>
+<file path=ppt/slides/slide13.xml><?xml version="1.0" encoding="utf-8"?>
 <p:sld xmlns:a="http://schemas.openxmlformats.org/drawingml/2006/main" xmlns:r="http://schemas.openxmlformats.org/officeDocument/2006/relationships" xmlns:p="http://schemas.openxmlformats.org/presentationml/2006/main">
   <p:cSld>
     <p:spTree>
@@ -6405,7 +6644,12 @@
             <p:ph type="title"/>
           </p:nvPr>
         </p:nvSpPr>
-        <p:spPr/>
+        <p:spPr>
+          <a:xfrm>
+            <a:off x="790937" y="320232"/>
+            <a:ext cx="8596668" cy="1320800"/>
+          </a:xfrm>
+        </p:spPr>
         <p:txBody>
           <a:bodyPr/>
           <a:lstStyle/>
@@ -6435,13 +6679,13 @@
         </p:nvSpPr>
         <p:spPr>
           <a:xfrm>
-            <a:off x="115747" y="1481558"/>
-            <a:ext cx="11285316" cy="5289631"/>
+            <a:off x="115747" y="1088020"/>
+            <a:ext cx="11285316" cy="5683169"/>
           </a:xfrm>
         </p:spPr>
         <p:txBody>
           <a:bodyPr>
-            <a:normAutofit lnSpcReduction="10000"/>
+            <a:normAutofit/>
           </a:bodyPr>
           <a:lstStyle/>
           <a:p>
@@ -6495,22 +6739,14 @@
             <a:pPr lvl="1"/>
             <a:r>
               <a:rPr lang="en-GB" dirty="0"/>
-              <a:t>More variables should be included in future analysis to get a more complete picture of </a:t>
-            </a:r>
-            <a:r>
-              <a:rPr lang="en-GB"/>
-              <a:t>what affects </a:t>
-            </a:r>
-            <a:r>
-              <a:rPr lang="en-GB" dirty="0"/>
-              <a:t>insurance costs.</a:t>
+              <a:t>More variables and more data should be included in future analysis to get a more complete picture of what affects insurance costs.</a:t>
             </a:r>
           </a:p>
           <a:p>
             <a:pPr lvl="1"/>
             <a:r>
               <a:rPr lang="en-GB" dirty="0"/>
-              <a:t>This will also help to train more accurate ML models in the future.</a:t>
+              <a:t>An explainable non-linear model, such as random forests, could be used to generate better predictions.</a:t>
             </a:r>
           </a:p>
           <a:p>

--- a/Insurance charges analysis.pptx
+++ b/Insurance charges analysis.pptx
@@ -6077,7 +6077,7 @@
             </a:pPr>
             <a:r>
               <a:rPr lang="en-GB" dirty="0"/>
-              <a:t>I decided to use a linear regression to predict insurance prices as it’s a highly explainable and transparent model type.</a:t>
+              <a:t>I decided to use a random forest regression to predict insurance prices as it’s an explainable and transparent model type.</a:t>
             </a:r>
           </a:p>
           <a:p>
@@ -6199,7 +6199,7 @@
         <p:spPr>
           <a:xfrm>
             <a:off x="677333" y="1770928"/>
-            <a:ext cx="9058316" cy="4226247"/>
+            <a:ext cx="9058316" cy="2916819"/>
           </a:xfrm>
         </p:spPr>
         <p:txBody>
@@ -6218,23 +6218,7 @@
             </a:r>
             <a:r>
               <a:rPr lang="en-GB" dirty="0"/>
-              <a:t> search to optimise 3 hyper-parameters: </a:t>
-            </a:r>
-            <a:r>
-              <a:rPr lang="en-GB" dirty="0" err="1"/>
-              <a:t>fit_intercept</a:t>
-            </a:r>
-            <a:r>
-              <a:rPr lang="en-GB" dirty="0"/>
-              <a:t>, positive, </a:t>
-            </a:r>
-            <a:r>
-              <a:rPr lang="en-GB" dirty="0" err="1"/>
-              <a:t>tol</a:t>
-            </a:r>
-            <a:r>
-              <a:rPr lang="en-GB" dirty="0"/>
-              <a:t>.</a:t>
+              <a:t> search to optimise 5 hyper-parameters.</a:t>
             </a:r>
           </a:p>
           <a:p>
@@ -6249,21 +6233,12 @@
             <a:br>
               <a:rPr lang="en-GB" dirty="0"/>
             </a:br>
-            <a:br>
-              <a:rPr lang="en-GB" dirty="0"/>
-            </a:br>
-            <a:br>
-              <a:rPr lang="en-GB" dirty="0"/>
-            </a:br>
-            <a:br>
-              <a:rPr lang="en-GB" dirty="0"/>
-            </a:br>
             <a:endParaRPr lang="en-GB" dirty="0"/>
           </a:p>
           <a:p>
             <a:r>
               <a:rPr lang="en-GB" dirty="0"/>
-              <a:t>The model had a root mean squared distribution of 6250.</a:t>
+              <a:t>The model had a root mean squared distribution of 5065.</a:t>
             </a:r>
           </a:p>
           <a:p>
@@ -6277,24 +6252,21 @@
             <a:pPr lvl="1"/>
             <a:r>
               <a:rPr lang="en-GB" dirty="0"/>
-              <a:t>But is still very large, suggesting the model could be significantly more accurate.</a:t>
+              <a:t>But is still quite large, suggesting the model could be significantly more accurate.</a:t>
             </a:r>
           </a:p>
           <a:p>
             <a:pPr lvl="1"/>
-            <a:r>
-              <a:rPr lang="en-GB" dirty="0"/>
-              <a:t>The equation for this model can be seen below:</a:t>
-            </a:r>
+            <a:endParaRPr lang="en-GB" dirty="0"/>
           </a:p>
         </p:txBody>
       </p:sp>
       <p:pic>
         <p:nvPicPr>
-          <p:cNvPr id="6" name="Picture 5">
+          <p:cNvPr id="12" name="Picture 11">
             <a:extLst>
               <a:ext uri="{FF2B5EF4-FFF2-40B4-BE49-F238E27FC236}">
-                <a16:creationId xmlns:a16="http://schemas.microsoft.com/office/drawing/2014/main" id="{30455A55-FD1C-DD75-71FF-53CE003C3835}"/>
+                <a16:creationId xmlns:a16="http://schemas.microsoft.com/office/drawing/2014/main" id="{9F003926-F262-745C-E4B8-BA3814A7B01F}"/>
               </a:ext>
             </a:extLst>
           </p:cNvPr>
@@ -6311,68 +6283,8 @@
         </p:blipFill>
         <p:spPr>
           <a:xfrm>
-            <a:off x="677333" y="5484468"/>
-            <a:ext cx="10701226" cy="262800"/>
-          </a:xfrm>
-          <a:prstGeom prst="rect">
-            <a:avLst/>
-          </a:prstGeom>
-        </p:spPr>
-      </p:pic>
-      <p:pic>
-        <p:nvPicPr>
-          <p:cNvPr id="8" name="Picture 7">
-            <a:extLst>
-              <a:ext uri="{FF2B5EF4-FFF2-40B4-BE49-F238E27FC236}">
-                <a16:creationId xmlns:a16="http://schemas.microsoft.com/office/drawing/2014/main" id="{06CFC24A-FD75-6704-ABA2-8B8760D12BD8}"/>
-              </a:ext>
-            </a:extLst>
-          </p:cNvPr>
-          <p:cNvPicPr>
-            <a:picLocks noChangeAspect="1"/>
-          </p:cNvPicPr>
-          <p:nvPr/>
-        </p:nvPicPr>
-        <p:blipFill>
-          <a:blip r:embed="rId3"/>
-          <a:stretch>
-            <a:fillRect/>
-          </a:stretch>
-        </p:blipFill>
-        <p:spPr>
-          <a:xfrm>
-            <a:off x="677333" y="2543571"/>
-            <a:ext cx="4302127" cy="789938"/>
-          </a:xfrm>
-          <a:prstGeom prst="rect">
-            <a:avLst/>
-          </a:prstGeom>
-        </p:spPr>
-      </p:pic>
-      <p:pic>
-        <p:nvPicPr>
-          <p:cNvPr id="10" name="Picture 9">
-            <a:extLst>
-              <a:ext uri="{FF2B5EF4-FFF2-40B4-BE49-F238E27FC236}">
-                <a16:creationId xmlns:a16="http://schemas.microsoft.com/office/drawing/2014/main" id="{97C82765-9C2A-E6AD-3444-AFC1DC0065F2}"/>
-              </a:ext>
-            </a:extLst>
-          </p:cNvPr>
-          <p:cNvPicPr>
-            <a:picLocks noChangeAspect="1"/>
-          </p:cNvPicPr>
-          <p:nvPr/>
-        </p:nvPicPr>
-        <p:blipFill>
-          <a:blip r:embed="rId4"/>
-          <a:stretch>
-            <a:fillRect/>
-          </a:stretch>
-        </p:blipFill>
-        <p:spPr>
-          <a:xfrm>
-            <a:off x="677333" y="3328214"/>
-            <a:ext cx="7713163" cy="262800"/>
+            <a:off x="377732" y="2537798"/>
+            <a:ext cx="11671513" cy="202672"/>
           </a:xfrm>
           <a:prstGeom prst="rect">
             <a:avLst/>
@@ -6500,7 +6412,7 @@
             <a:pPr lvl="1"/>
             <a:r>
               <a:rPr lang="en-GB" dirty="0"/>
-              <a:t>This can be in the form of more fields or records, either would be beneficial.</a:t>
+              <a:t>This can be in the form of more fields or records.</a:t>
             </a:r>
           </a:p>
           <a:p>
@@ -6508,37 +6420,6 @@
           </a:p>
         </p:txBody>
       </p:sp>
-      <p:pic>
-        <p:nvPicPr>
-          <p:cNvPr id="5" name="Picture 4">
-            <a:extLst>
-              <a:ext uri="{FF2B5EF4-FFF2-40B4-BE49-F238E27FC236}">
-                <a16:creationId xmlns:a16="http://schemas.microsoft.com/office/drawing/2014/main" id="{D3458D1B-5D4A-42C6-AFAE-6C145D2BFBD6}"/>
-              </a:ext>
-            </a:extLst>
-          </p:cNvPr>
-          <p:cNvPicPr>
-            <a:picLocks noChangeAspect="1"/>
-          </p:cNvPicPr>
-          <p:nvPr/>
-        </p:nvPicPr>
-        <p:blipFill>
-          <a:blip r:embed="rId2"/>
-          <a:srcRect l="8862" r="20659"/>
-          <a:stretch>
-            <a:fillRect/>
-          </a:stretch>
-        </p:blipFill>
-        <p:spPr>
-          <a:xfrm>
-            <a:off x="6504972" y="1167686"/>
-            <a:ext cx="5687028" cy="5690314"/>
-          </a:xfrm>
-          <a:prstGeom prst="rect">
-            <a:avLst/>
-          </a:prstGeom>
-        </p:spPr>
-      </p:pic>
       <p:sp>
         <p:nvSpPr>
           <p:cNvPr id="6" name="TextBox 5">
@@ -6569,28 +6450,28 @@
           <a:p>
             <a:r>
               <a:rPr lang="en-GB" dirty="0">
-                <a:hlinkClick r:id="rId3"/>
+                <a:hlinkClick r:id="rId2"/>
               </a:rPr>
               <a:t>Link to </a:t>
             </a:r>
+            <a:r>
+              <a:rPr lang="en-GB" dirty="0" err="1">
+                <a:hlinkClick r:id="rId2"/>
+              </a:rPr>
+              <a:t>Streamlit</a:t>
+            </a:r>
+            <a:endParaRPr lang="en-GB" dirty="0"/>
+          </a:p>
+          <a:p>
             <a:r>
               <a:rPr lang="en-GB" dirty="0" err="1">
                 <a:hlinkClick r:id="rId3"/>
               </a:rPr>
-              <a:t>Streamlit</a:t>
-            </a:r>
-            <a:endParaRPr lang="en-GB" dirty="0"/>
-          </a:p>
-          <a:p>
-            <a:r>
-              <a:rPr lang="en-GB" dirty="0" err="1">
-                <a:hlinkClick r:id="rId4"/>
-              </a:rPr>
               <a:t>Github</a:t>
             </a:r>
             <a:r>
               <a:rPr lang="en-GB" dirty="0">
-                <a:hlinkClick r:id="rId4"/>
+                <a:hlinkClick r:id="rId3"/>
               </a:rPr>
               <a:t> repo</a:t>
             </a:r>
@@ -6598,6 +6479,36 @@
           </a:p>
         </p:txBody>
       </p:sp>
+      <p:pic>
+        <p:nvPicPr>
+          <p:cNvPr id="7" name="Picture 6">
+            <a:extLst>
+              <a:ext uri="{FF2B5EF4-FFF2-40B4-BE49-F238E27FC236}">
+                <a16:creationId xmlns:a16="http://schemas.microsoft.com/office/drawing/2014/main" id="{2DB5B7B9-D5C7-2CF8-CE40-03FCAA747B59}"/>
+              </a:ext>
+            </a:extLst>
+          </p:cNvPr>
+          <p:cNvPicPr>
+            <a:picLocks noChangeAspect="1"/>
+          </p:cNvPicPr>
+          <p:nvPr/>
+        </p:nvPicPr>
+        <p:blipFill>
+          <a:blip r:embed="rId4"/>
+          <a:stretch>
+            <a:fillRect/>
+          </a:stretch>
+        </p:blipFill>
+        <p:spPr>
+          <a:xfrm>
+            <a:off x="5782342" y="1574157"/>
+            <a:ext cx="6409658" cy="4305782"/>
+          </a:xfrm>
+          <a:prstGeom prst="rect">
+            <a:avLst/>
+          </a:prstGeom>
+        </p:spPr>
+      </p:pic>
     </p:spTree>
     <p:extLst>
       <p:ext uri="{BB962C8B-B14F-4D97-AF65-F5344CB8AC3E}">
@@ -6679,8 +6590,8 @@
         </p:nvSpPr>
         <p:spPr>
           <a:xfrm>
-            <a:off x="115747" y="1088020"/>
-            <a:ext cx="11285316" cy="5683169"/>
+            <a:off x="115747" y="1493134"/>
+            <a:ext cx="11285316" cy="5278055"/>
           </a:xfrm>
         </p:spPr>
         <p:txBody>
@@ -6739,14 +6650,15 @@
             <a:pPr lvl="1"/>
             <a:r>
               <a:rPr lang="en-GB" dirty="0"/>
-              <a:t>More variables and more data should be included in future analysis to get a more complete picture of what affects insurance costs.</a:t>
-            </a:r>
-          </a:p>
-          <a:p>
-            <a:pPr lvl="1"/>
-            <a:r>
-              <a:rPr lang="en-GB" dirty="0"/>
-              <a:t>An explainable non-linear model, such as random forests, could be used to generate better predictions.</a:t>
+              <a:t>More variables</a:t>
+            </a:r>
+            <a:r>
+              <a:rPr lang="en-GB"/>
+              <a:t>/records should </a:t>
+            </a:r>
+            <a:r>
+              <a:rPr lang="en-GB" dirty="0"/>
+              <a:t>be included in future analysis to get a more complete picture of what affects insurance costs.</a:t>
             </a:r>
           </a:p>
           <a:p>
